--- a/progressive-web-app.pptx
+++ b/progressive-web-app.pptx
@@ -10,11 +10,11 @@
     <p:sldId id="258" r:id="rId4"/>
     <p:sldId id="259" r:id="rId5"/>
     <p:sldId id="260" r:id="rId6"/>
-    <p:sldId id="263" r:id="rId7"/>
-    <p:sldId id="264" r:id="rId8"/>
-    <p:sldId id="265" r:id="rId9"/>
-    <p:sldId id="261" r:id="rId10"/>
-    <p:sldId id="266" r:id="rId11"/>
+    <p:sldId id="265" r:id="rId7"/>
+    <p:sldId id="261" r:id="rId8"/>
+    <p:sldId id="266" r:id="rId9"/>
+    <p:sldId id="263" r:id="rId10"/>
+    <p:sldId id="264" r:id="rId11"/>
     <p:sldId id="267" r:id="rId12"/>
     <p:sldId id="268" r:id="rId13"/>
     <p:sldId id="269" r:id="rId14"/>
@@ -116,6 +116,11 @@
       </a:defRPr>
     </a:lvl9pPr>
   </p:defaultTextStyle>
+  <p:extLst>
+    <p:ext uri="{EFAFB233-063F-42B5-8137-9DF3F51BA10A}">
+      <p15:sldGuideLst xmlns:p15="http://schemas.microsoft.com/office/powerpoint/2012/main"/>
+    </p:ext>
+  </p:extLst>
 </p:presentation>
 </file>
 
@@ -268,7 +273,7 @@
           <a:p>
             <a:fld id="{217FFB8E-83C5-405A-99A1-1B9D0B187E3F}" type="datetimeFigureOut">
               <a:rPr lang="en-ZA" smtClean="0"/>
-              <a:t>2018/09/11</a:t>
+              <a:t>2018/09/13</a:t>
             </a:fld>
             <a:endParaRPr lang="en-ZA"/>
           </a:p>
@@ -468,7 +473,7 @@
           <a:p>
             <a:fld id="{217FFB8E-83C5-405A-99A1-1B9D0B187E3F}" type="datetimeFigureOut">
               <a:rPr lang="en-ZA" smtClean="0"/>
-              <a:t>2018/09/11</a:t>
+              <a:t>2018/09/13</a:t>
             </a:fld>
             <a:endParaRPr lang="en-ZA"/>
           </a:p>
@@ -678,7 +683,7 @@
           <a:p>
             <a:fld id="{217FFB8E-83C5-405A-99A1-1B9D0B187E3F}" type="datetimeFigureOut">
               <a:rPr lang="en-ZA" smtClean="0"/>
-              <a:t>2018/09/11</a:t>
+              <a:t>2018/09/13</a:t>
             </a:fld>
             <a:endParaRPr lang="en-ZA"/>
           </a:p>
@@ -878,7 +883,7 @@
           <a:p>
             <a:fld id="{217FFB8E-83C5-405A-99A1-1B9D0B187E3F}" type="datetimeFigureOut">
               <a:rPr lang="en-ZA" smtClean="0"/>
-              <a:t>2018/09/11</a:t>
+              <a:t>2018/09/13</a:t>
             </a:fld>
             <a:endParaRPr lang="en-ZA"/>
           </a:p>
@@ -1154,7 +1159,7 @@
           <a:p>
             <a:fld id="{217FFB8E-83C5-405A-99A1-1B9D0B187E3F}" type="datetimeFigureOut">
               <a:rPr lang="en-ZA" smtClean="0"/>
-              <a:t>2018/09/11</a:t>
+              <a:t>2018/09/13</a:t>
             </a:fld>
             <a:endParaRPr lang="en-ZA"/>
           </a:p>
@@ -1422,7 +1427,7 @@
           <a:p>
             <a:fld id="{217FFB8E-83C5-405A-99A1-1B9D0B187E3F}" type="datetimeFigureOut">
               <a:rPr lang="en-ZA" smtClean="0"/>
-              <a:t>2018/09/11</a:t>
+              <a:t>2018/09/13</a:t>
             </a:fld>
             <a:endParaRPr lang="en-ZA"/>
           </a:p>
@@ -1837,7 +1842,7 @@
           <a:p>
             <a:fld id="{217FFB8E-83C5-405A-99A1-1B9D0B187E3F}" type="datetimeFigureOut">
               <a:rPr lang="en-ZA" smtClean="0"/>
-              <a:t>2018/09/11</a:t>
+              <a:t>2018/09/13</a:t>
             </a:fld>
             <a:endParaRPr lang="en-ZA"/>
           </a:p>
@@ -1979,7 +1984,7 @@
           <a:p>
             <a:fld id="{217FFB8E-83C5-405A-99A1-1B9D0B187E3F}" type="datetimeFigureOut">
               <a:rPr lang="en-ZA" smtClean="0"/>
-              <a:t>2018/09/11</a:t>
+              <a:t>2018/09/13</a:t>
             </a:fld>
             <a:endParaRPr lang="en-ZA"/>
           </a:p>
@@ -2092,7 +2097,7 @@
           <a:p>
             <a:fld id="{217FFB8E-83C5-405A-99A1-1B9D0B187E3F}" type="datetimeFigureOut">
               <a:rPr lang="en-ZA" smtClean="0"/>
-              <a:t>2018/09/11</a:t>
+              <a:t>2018/09/13</a:t>
             </a:fld>
             <a:endParaRPr lang="en-ZA"/>
           </a:p>
@@ -2405,7 +2410,7 @@
           <a:p>
             <a:fld id="{217FFB8E-83C5-405A-99A1-1B9D0B187E3F}" type="datetimeFigureOut">
               <a:rPr lang="en-ZA" smtClean="0"/>
-              <a:t>2018/09/11</a:t>
+              <a:t>2018/09/13</a:t>
             </a:fld>
             <a:endParaRPr lang="en-ZA"/>
           </a:p>
@@ -2694,7 +2699,7 @@
           <a:p>
             <a:fld id="{217FFB8E-83C5-405A-99A1-1B9D0B187E3F}" type="datetimeFigureOut">
               <a:rPr lang="en-ZA" smtClean="0"/>
-              <a:t>2018/09/11</a:t>
+              <a:t>2018/09/13</a:t>
             </a:fld>
             <a:endParaRPr lang="en-ZA"/>
           </a:p>
@@ -2937,7 +2942,7 @@
           <a:p>
             <a:fld id="{217FFB8E-83C5-405A-99A1-1B9D0B187E3F}" type="datetimeFigureOut">
               <a:rPr lang="en-ZA" smtClean="0"/>
-              <a:t>2018/09/11</a:t>
+              <a:t>2018/09/13</a:t>
             </a:fld>
             <a:endParaRPr lang="en-ZA"/>
           </a:p>
@@ -3708,7 +3713,7 @@
           <p:cNvPr id="2" name="Title 1">
             <a:extLst>
               <a:ext uri="{FF2B5EF4-FFF2-40B4-BE49-F238E27FC236}">
-                <a16:creationId xmlns:a16="http://schemas.microsoft.com/office/drawing/2014/main" id="{4C6A8FA4-D18B-474B-841A-79BDF826ABFB}"/>
+                <a16:creationId xmlns:a16="http://schemas.microsoft.com/office/drawing/2014/main" id="{9DF9CA98-C7AE-4261-BB20-997DA0B1B1A2}"/>
               </a:ext>
             </a:extLst>
           </p:cNvPr>
@@ -3732,12 +3737,12 @@
           <a:lstStyle/>
           <a:p>
             <a:r>
-              <a:rPr lang="en-ZA" sz="3200" dirty="0">
+              <a:rPr lang="en-ZA" sz="2700" dirty="0">
                 <a:solidFill>
                   <a:srgbClr val="FFFFFF"/>
                 </a:solidFill>
               </a:rPr>
-              <a:t>The Service Worker</a:t>
+              <a:t>Fetch API</a:t>
             </a:r>
           </a:p>
         </p:txBody>
@@ -3747,7 +3752,7 @@
           <p:cNvPr id="3" name="Content Placeholder 2">
             <a:extLst>
               <a:ext uri="{FF2B5EF4-FFF2-40B4-BE49-F238E27FC236}">
-                <a16:creationId xmlns:a16="http://schemas.microsoft.com/office/drawing/2014/main" id="{3902FC47-B1D9-4F23-9D9A-3C40CFDCC37E}"/>
+                <a16:creationId xmlns:a16="http://schemas.microsoft.com/office/drawing/2014/main" id="{906B1A8E-E234-48A0-AA12-36E1C555EF3B}"/>
               </a:ext>
             </a:extLst>
           </p:cNvPr>
@@ -3772,18 +3777,28 @@
           <a:p>
             <a:r>
               <a:rPr lang="en-US" sz="1600" dirty="0"/>
-              <a:t>A service worker is a script that your browser runs in the background, separate from a web page, opening the door to features that don't need a web page or user interaction.</a:t>
-            </a:r>
+              <a:t>The Fetch API provides an interface for fetching resources (including across the network). It will seem familiar to anyone who has used </a:t>
+            </a:r>
+            <a:r>
+              <a:rPr lang="en-US" sz="1600" dirty="0" err="1"/>
+              <a:t>XMLHttpRequest</a:t>
+            </a:r>
+            <a:r>
+              <a:rPr lang="en-US" sz="1600" dirty="0"/>
+              <a:t>, but the new API provides a more powerful and flexible feature set.</a:t>
+            </a:r>
+          </a:p>
+          <a:p>
             <a:endParaRPr lang="en-ZA" sz="1600" dirty="0"/>
           </a:p>
         </p:txBody>
       </p:sp>
       <p:pic>
         <p:nvPicPr>
-          <p:cNvPr id="4" name="Picture 3">
-            <a:extLst>
-              <a:ext uri="{FF2B5EF4-FFF2-40B4-BE49-F238E27FC236}">
-                <a16:creationId xmlns:a16="http://schemas.microsoft.com/office/drawing/2014/main" id="{4126EA66-2B4C-418B-9327-AD14751C4381}"/>
+          <p:cNvPr id="5" name="Picture 4">
+            <a:extLst>
+              <a:ext uri="{FF2B5EF4-FFF2-40B4-BE49-F238E27FC236}">
+                <a16:creationId xmlns:a16="http://schemas.microsoft.com/office/drawing/2014/main" id="{F9F354F4-0AF7-491B-832C-CB175B009434}"/>
               </a:ext>
             </a:extLst>
           </p:cNvPr>
@@ -3800,8 +3815,8 @@
         </p:blipFill>
         <p:spPr>
           <a:xfrm>
-            <a:off x="4662102" y="1317358"/>
-            <a:ext cx="6619875" cy="2343150"/>
+            <a:off x="4686550" y="1745107"/>
+            <a:ext cx="6219825" cy="3571875"/>
           </a:xfrm>
           <a:prstGeom prst="rect">
             <a:avLst/>
@@ -3811,7 +3826,7 @@
     </p:spTree>
     <p:extLst>
       <p:ext uri="{BB962C8B-B14F-4D97-AF65-F5344CB8AC3E}">
-        <p14:creationId xmlns:p14="http://schemas.microsoft.com/office/powerpoint/2010/main" val="1225871521"/>
+        <p14:creationId xmlns:p14="http://schemas.microsoft.com/office/powerpoint/2010/main" val="2501416223"/>
       </p:ext>
     </p:extLst>
   </p:cSld>
@@ -6113,7 +6128,7 @@
           <p:cNvPr id="2" name="Title 1">
             <a:extLst>
               <a:ext uri="{FF2B5EF4-FFF2-40B4-BE49-F238E27FC236}">
-                <a16:creationId xmlns:a16="http://schemas.microsoft.com/office/drawing/2014/main" id="{9DF9CA98-C7AE-4261-BB20-997DA0B1B1A2}"/>
+                <a16:creationId xmlns:a16="http://schemas.microsoft.com/office/drawing/2014/main" id="{4C6A8FA4-D18B-474B-841A-79BDF826ABFB}"/>
               </a:ext>
             </a:extLst>
           </p:cNvPr>
@@ -6137,12 +6152,12 @@
           <a:lstStyle/>
           <a:p>
             <a:r>
-              <a:rPr lang="en-ZA" sz="2700">
+              <a:rPr lang="en-ZA" sz="3200">
                 <a:solidFill>
                   <a:srgbClr val="FFFFFF"/>
                 </a:solidFill>
               </a:rPr>
-              <a:t>XMLHttpRequest API</a:t>
+              <a:t>The Web App Manifest</a:t>
             </a:r>
           </a:p>
         </p:txBody>
@@ -6152,7 +6167,7 @@
           <p:cNvPr id="3" name="Content Placeholder 2">
             <a:extLst>
               <a:ext uri="{FF2B5EF4-FFF2-40B4-BE49-F238E27FC236}">
-                <a16:creationId xmlns:a16="http://schemas.microsoft.com/office/drawing/2014/main" id="{906B1A8E-E234-48A0-AA12-36E1C555EF3B}"/>
+                <a16:creationId xmlns:a16="http://schemas.microsoft.com/office/drawing/2014/main" id="{3902FC47-B1D9-4F23-9D9A-3C40CFDCC37E}"/>
               </a:ext>
             </a:extLst>
           </p:cNvPr>
@@ -6177,23 +6192,24 @@
           <a:p>
             <a:r>
               <a:rPr lang="en-US" sz="1600"/>
-              <a:t>You can retrieve data from a URL without having to do a full page refresh. This enables a Web page to update just part of a page without disrupting what the user is doing.</a:t>
-            </a:r>
-          </a:p>
-          <a:p>
-            <a:endParaRPr lang="en-US" sz="1600"/>
-          </a:p>
-          <a:p>
+              <a:t>The web app manifest is a simple JSON file that tells the browser about your web application and how it should behave when 'installed' on the users mobile device or desktop.</a:t>
+            </a:r>
+            <a:endParaRPr lang="en-ZA" sz="1600"/>
+          </a:p>
+          <a:p>
+            <a:pPr marL="0" indent="0">
+              <a:buNone/>
+            </a:pPr>
             <a:endParaRPr lang="en-ZA" sz="1600"/>
           </a:p>
         </p:txBody>
       </p:sp>
       <p:pic>
         <p:nvPicPr>
-          <p:cNvPr id="4" name="Picture 3" descr="A screenshot of a computer screen&#10;&#10;Description generated with very high confidence">
-            <a:extLst>
-              <a:ext uri="{FF2B5EF4-FFF2-40B4-BE49-F238E27FC236}">
-                <a16:creationId xmlns:a16="http://schemas.microsoft.com/office/drawing/2014/main" id="{5230B63A-3F6A-48FA-AF63-FFED9C5AC719}"/>
+          <p:cNvPr id="4" name="Picture 3">
+            <a:extLst>
+              <a:ext uri="{FF2B5EF4-FFF2-40B4-BE49-F238E27FC236}">
+                <a16:creationId xmlns:a16="http://schemas.microsoft.com/office/drawing/2014/main" id="{B2E50166-F96F-4C7C-8CA0-32CA7D970D04}"/>
               </a:ext>
             </a:extLst>
           </p:cNvPr>
@@ -6210,8 +6226,8 @@
         </p:blipFill>
         <p:spPr>
           <a:xfrm>
-            <a:off x="4662102" y="1745107"/>
-            <a:ext cx="6903723" cy="3244749"/>
+            <a:off x="4662102" y="1279492"/>
+            <a:ext cx="6903723" cy="4175979"/>
           </a:xfrm>
           <a:prstGeom prst="rect">
             <a:avLst/>
@@ -6221,7 +6237,7 @@
     </p:spTree>
     <p:extLst>
       <p:ext uri="{BB962C8B-B14F-4D97-AF65-F5344CB8AC3E}">
-        <p14:creationId xmlns:p14="http://schemas.microsoft.com/office/powerpoint/2010/main" val="2382021606"/>
+        <p14:creationId xmlns:p14="http://schemas.microsoft.com/office/powerpoint/2010/main" val="4104464436"/>
       </p:ext>
     </p:extLst>
   </p:cSld>
@@ -6356,7 +6372,7 @@
           <p:cNvPr id="2" name="Title 1">
             <a:extLst>
               <a:ext uri="{FF2B5EF4-FFF2-40B4-BE49-F238E27FC236}">
-                <a16:creationId xmlns:a16="http://schemas.microsoft.com/office/drawing/2014/main" id="{9DF9CA98-C7AE-4261-BB20-997DA0B1B1A2}"/>
+                <a16:creationId xmlns:a16="http://schemas.microsoft.com/office/drawing/2014/main" id="{4C6A8FA4-D18B-474B-841A-79BDF826ABFB}"/>
               </a:ext>
             </a:extLst>
           </p:cNvPr>
@@ -6380,12 +6396,12 @@
           <a:lstStyle/>
           <a:p>
             <a:r>
-              <a:rPr lang="en-ZA" sz="2700" dirty="0">
+              <a:rPr lang="en-ZA" sz="3200" dirty="0">
                 <a:solidFill>
                   <a:srgbClr val="FFFFFF"/>
                 </a:solidFill>
               </a:rPr>
-              <a:t>Fetch API</a:t>
+              <a:t>The Service Worker</a:t>
             </a:r>
           </a:p>
         </p:txBody>
@@ -6395,7 +6411,7 @@
           <p:cNvPr id="3" name="Content Placeholder 2">
             <a:extLst>
               <a:ext uri="{FF2B5EF4-FFF2-40B4-BE49-F238E27FC236}">
-                <a16:creationId xmlns:a16="http://schemas.microsoft.com/office/drawing/2014/main" id="{906B1A8E-E234-48A0-AA12-36E1C555EF3B}"/>
+                <a16:creationId xmlns:a16="http://schemas.microsoft.com/office/drawing/2014/main" id="{3902FC47-B1D9-4F23-9D9A-3C40CFDCC37E}"/>
               </a:ext>
             </a:extLst>
           </p:cNvPr>
@@ -6420,18 +6436,8 @@
           <a:p>
             <a:r>
               <a:rPr lang="en-US" sz="1600" dirty="0"/>
-              <a:t>The Fetch API provides an interface for fetching resources (including across the network). It will seem familiar to anyone who has used </a:t>
-            </a:r>
-            <a:r>
-              <a:rPr lang="en-US" sz="1600" dirty="0" err="1"/>
-              <a:t>XMLHttpRequest</a:t>
-            </a:r>
-            <a:r>
-              <a:rPr lang="en-US" sz="1600" dirty="0"/>
-              <a:t>, but the new API provides a more powerful and flexible feature set.</a:t>
-            </a:r>
-          </a:p>
-          <a:p>
+              <a:t>A service worker is a script that your browser runs in the background, separate from a web page, opening the door to features that don't need a web page or user interaction.</a:t>
+            </a:r>
             <a:endParaRPr lang="en-ZA" sz="1600" dirty="0"/>
           </a:p>
         </p:txBody>
@@ -6441,7 +6447,7 @@
           <p:cNvPr id="5" name="Picture 4">
             <a:extLst>
               <a:ext uri="{FF2B5EF4-FFF2-40B4-BE49-F238E27FC236}">
-                <a16:creationId xmlns:a16="http://schemas.microsoft.com/office/drawing/2014/main" id="{F9F354F4-0AF7-491B-832C-CB175B009434}"/>
+                <a16:creationId xmlns:a16="http://schemas.microsoft.com/office/drawing/2014/main" id="{7F32273A-7C10-4A33-87FE-2F2A9FB9E208}"/>
               </a:ext>
             </a:extLst>
           </p:cNvPr>
@@ -6458,8 +6464,8 @@
         </p:blipFill>
         <p:spPr>
           <a:xfrm>
-            <a:off x="4686550" y="1745107"/>
-            <a:ext cx="6219825" cy="3571875"/>
+            <a:off x="4662102" y="1279492"/>
+            <a:ext cx="6772275" cy="1781175"/>
           </a:xfrm>
           <a:prstGeom prst="rect">
             <a:avLst/>
@@ -6469,7 +6475,7 @@
     </p:spTree>
     <p:extLst>
       <p:ext uri="{BB962C8B-B14F-4D97-AF65-F5344CB8AC3E}">
-        <p14:creationId xmlns:p14="http://schemas.microsoft.com/office/powerpoint/2010/main" val="2501416223"/>
+        <p14:creationId xmlns:p14="http://schemas.microsoft.com/office/powerpoint/2010/main" val="964890696"/>
       </p:ext>
     </p:extLst>
   </p:cSld>
@@ -6628,12 +6634,12 @@
           <a:lstStyle/>
           <a:p>
             <a:r>
-              <a:rPr lang="en-ZA" sz="3200">
+              <a:rPr lang="en-ZA" sz="3200" dirty="0">
                 <a:solidFill>
                   <a:srgbClr val="FFFFFF"/>
                 </a:solidFill>
               </a:rPr>
-              <a:t>The Web App Manifest</a:t>
+              <a:t>The Service Worker</a:t>
             </a:r>
           </a:p>
         </p:txBody>
@@ -6667,16 +6673,10 @@
           <a:lstStyle/>
           <a:p>
             <a:r>
-              <a:rPr lang="en-US" sz="1600"/>
-              <a:t>The web app manifest is a simple JSON file that tells the browser about your web application and how it should behave when 'installed' on the users mobile device or desktop.</a:t>
-            </a:r>
-            <a:endParaRPr lang="en-ZA" sz="1600"/>
-          </a:p>
-          <a:p>
-            <a:pPr marL="0" indent="0">
-              <a:buNone/>
-            </a:pPr>
-            <a:endParaRPr lang="en-ZA" sz="1600"/>
+              <a:rPr lang="en-US" sz="1600" dirty="0"/>
+              <a:t>A service worker is a script that your browser runs in the background, separate from a web page, opening the door to features that don't need a web page or user interaction.</a:t>
+            </a:r>
+            <a:endParaRPr lang="en-ZA" sz="1600" dirty="0"/>
           </a:p>
         </p:txBody>
       </p:sp>
@@ -6685,7 +6685,7 @@
           <p:cNvPr id="4" name="Picture 3">
             <a:extLst>
               <a:ext uri="{FF2B5EF4-FFF2-40B4-BE49-F238E27FC236}">
-                <a16:creationId xmlns:a16="http://schemas.microsoft.com/office/drawing/2014/main" id="{B2E50166-F96F-4C7C-8CA0-32CA7D970D04}"/>
+                <a16:creationId xmlns:a16="http://schemas.microsoft.com/office/drawing/2014/main" id="{4126EA66-2B4C-418B-9327-AD14751C4381}"/>
               </a:ext>
             </a:extLst>
           </p:cNvPr>
@@ -6702,8 +6702,8 @@
         </p:blipFill>
         <p:spPr>
           <a:xfrm>
-            <a:off x="4662102" y="1279492"/>
-            <a:ext cx="6903723" cy="4175979"/>
+            <a:off x="4662102" y="1317358"/>
+            <a:ext cx="6619875" cy="2343150"/>
           </a:xfrm>
           <a:prstGeom prst="rect">
             <a:avLst/>
@@ -6713,7 +6713,7 @@
     </p:spTree>
     <p:extLst>
       <p:ext uri="{BB962C8B-B14F-4D97-AF65-F5344CB8AC3E}">
-        <p14:creationId xmlns:p14="http://schemas.microsoft.com/office/powerpoint/2010/main" val="4104464436"/>
+        <p14:creationId xmlns:p14="http://schemas.microsoft.com/office/powerpoint/2010/main" val="1225871521"/>
       </p:ext>
     </p:extLst>
   </p:cSld>
@@ -6848,7 +6848,7 @@
           <p:cNvPr id="2" name="Title 1">
             <a:extLst>
               <a:ext uri="{FF2B5EF4-FFF2-40B4-BE49-F238E27FC236}">
-                <a16:creationId xmlns:a16="http://schemas.microsoft.com/office/drawing/2014/main" id="{4C6A8FA4-D18B-474B-841A-79BDF826ABFB}"/>
+                <a16:creationId xmlns:a16="http://schemas.microsoft.com/office/drawing/2014/main" id="{9DF9CA98-C7AE-4261-BB20-997DA0B1B1A2}"/>
               </a:ext>
             </a:extLst>
           </p:cNvPr>
@@ -6872,12 +6872,12 @@
           <a:lstStyle/>
           <a:p>
             <a:r>
-              <a:rPr lang="en-ZA" sz="3200" dirty="0">
+              <a:rPr lang="en-ZA" sz="2700">
                 <a:solidFill>
                   <a:srgbClr val="FFFFFF"/>
                 </a:solidFill>
               </a:rPr>
-              <a:t>The Service Worker</a:t>
+              <a:t>XMLHttpRequest API</a:t>
             </a:r>
           </a:p>
         </p:txBody>
@@ -6887,7 +6887,7 @@
           <p:cNvPr id="3" name="Content Placeholder 2">
             <a:extLst>
               <a:ext uri="{FF2B5EF4-FFF2-40B4-BE49-F238E27FC236}">
-                <a16:creationId xmlns:a16="http://schemas.microsoft.com/office/drawing/2014/main" id="{3902FC47-B1D9-4F23-9D9A-3C40CFDCC37E}"/>
+                <a16:creationId xmlns:a16="http://schemas.microsoft.com/office/drawing/2014/main" id="{906B1A8E-E234-48A0-AA12-36E1C555EF3B}"/>
               </a:ext>
             </a:extLst>
           </p:cNvPr>
@@ -6911,19 +6911,24 @@
           <a:lstStyle/>
           <a:p>
             <a:r>
-              <a:rPr lang="en-US" sz="1600" dirty="0"/>
-              <a:t>A service worker is a script that your browser runs in the background, separate from a web page, opening the door to features that don't need a web page or user interaction.</a:t>
-            </a:r>
-            <a:endParaRPr lang="en-ZA" sz="1600" dirty="0"/>
+              <a:rPr lang="en-US" sz="1600"/>
+              <a:t>You can retrieve data from a URL without having to do a full page refresh. This enables a Web page to update just part of a page without disrupting what the user is doing.</a:t>
+            </a:r>
+          </a:p>
+          <a:p>
+            <a:endParaRPr lang="en-US" sz="1600"/>
+          </a:p>
+          <a:p>
+            <a:endParaRPr lang="en-ZA" sz="1600"/>
           </a:p>
         </p:txBody>
       </p:sp>
       <p:pic>
         <p:nvPicPr>
-          <p:cNvPr id="5" name="Picture 4">
-            <a:extLst>
-              <a:ext uri="{FF2B5EF4-FFF2-40B4-BE49-F238E27FC236}">
-                <a16:creationId xmlns:a16="http://schemas.microsoft.com/office/drawing/2014/main" id="{7F32273A-7C10-4A33-87FE-2F2A9FB9E208}"/>
+          <p:cNvPr id="4" name="Picture 3" descr="A screenshot of a computer screen&#10;&#10;Description generated with very high confidence">
+            <a:extLst>
+              <a:ext uri="{FF2B5EF4-FFF2-40B4-BE49-F238E27FC236}">
+                <a16:creationId xmlns:a16="http://schemas.microsoft.com/office/drawing/2014/main" id="{5230B63A-3F6A-48FA-AF63-FFED9C5AC719}"/>
               </a:ext>
             </a:extLst>
           </p:cNvPr>
@@ -6940,8 +6945,8 @@
         </p:blipFill>
         <p:spPr>
           <a:xfrm>
-            <a:off x="4662102" y="1279492"/>
-            <a:ext cx="6772275" cy="1781175"/>
+            <a:off x="4662102" y="1745107"/>
+            <a:ext cx="6903723" cy="3244749"/>
           </a:xfrm>
           <a:prstGeom prst="rect">
             <a:avLst/>
@@ -6951,7 +6956,7 @@
     </p:spTree>
     <p:extLst>
       <p:ext uri="{BB962C8B-B14F-4D97-AF65-F5344CB8AC3E}">
-        <p14:creationId xmlns:p14="http://schemas.microsoft.com/office/powerpoint/2010/main" val="964890696"/>
+        <p14:creationId xmlns:p14="http://schemas.microsoft.com/office/powerpoint/2010/main" val="2382021606"/>
       </p:ext>
     </p:extLst>
   </p:cSld>

--- a/progressive-web-app.pptx
+++ b/progressive-web-app.pptx
@@ -18,6 +18,7 @@
     <p:sldId id="267" r:id="rId12"/>
     <p:sldId id="268" r:id="rId13"/>
     <p:sldId id="269" r:id="rId14"/>
+    <p:sldId id="271" r:id="rId15"/>
   </p:sldIdLst>
   <p:sldSz cx="12192000" cy="6858000"/>
   <p:notesSz cx="6858000" cy="9144000"/>
@@ -4568,6 +4569,219 @@
 </p:sld>
 </file>
 
+<file path=ppt/slides/slide14.xml><?xml version="1.0" encoding="utf-8"?>
+<p:sld xmlns:a="http://schemas.openxmlformats.org/drawingml/2006/main" xmlns:r="http://schemas.openxmlformats.org/officeDocument/2006/relationships" xmlns:p="http://schemas.openxmlformats.org/presentationml/2006/main">
+  <p:cSld>
+    <p:bg>
+      <p:bgPr>
+        <a:solidFill>
+          <a:schemeClr val="bg1"/>
+        </a:solidFill>
+        <a:effectLst/>
+      </p:bgPr>
+    </p:bg>
+    <p:spTree>
+      <p:nvGrpSpPr>
+        <p:cNvPr id="1" name=""/>
+        <p:cNvGrpSpPr/>
+        <p:nvPr/>
+      </p:nvGrpSpPr>
+      <p:grpSpPr>
+        <a:xfrm>
+          <a:off x="0" y="0"/>
+          <a:ext cx="0" cy="0"/>
+          <a:chOff x="0" y="0"/>
+          <a:chExt cx="0" cy="0"/>
+        </a:xfrm>
+      </p:grpSpPr>
+      <p:sp>
+        <p:nvSpPr>
+          <p:cNvPr id="9" name="Down Arrow 7">
+            <a:extLst>
+              <a:ext uri="{FF2B5EF4-FFF2-40B4-BE49-F238E27FC236}">
+                <a16:creationId xmlns:a16="http://schemas.microsoft.com/office/drawing/2014/main" id="{73DE2CFE-42F2-48F0-8706-5264E012B10C}"/>
+              </a:ext>
+              <a:ext uri="{C183D7F6-B498-43B3-948B-1728B52AA6E4}">
+                <adec:decorative xmlns:adec="http://schemas.microsoft.com/office/drawing/2017/decorative" val="1"/>
+              </a:ext>
+            </a:extLst>
+          </p:cNvPr>
+          <p:cNvSpPr>
+            <a:spLocks noGrp="1" noRot="1" noChangeAspect="1" noMove="1" noResize="1" noEditPoints="1" noAdjustHandles="1" noChangeArrowheads="1" noChangeShapeType="1" noTextEdit="1"/>
+          </p:cNvSpPr>
+          <p:nvPr>
+            <p:extLst>
+              <p:ext uri="{386F3935-93C4-4BCD-93E2-E3B085C9AB24}">
+                <p16:designElem xmlns:p16="http://schemas.microsoft.com/office/powerpoint/2015/main" val="1"/>
+              </p:ext>
+            </p:extLst>
+          </p:nvPr>
+        </p:nvSpPr>
+        <p:spPr>
+          <a:xfrm rot="16200000">
+            <a:off x="1288521" y="381403"/>
+            <a:ext cx="2200313" cy="3342508"/>
+          </a:xfrm>
+          <a:prstGeom prst="downArrow">
+            <a:avLst>
+              <a:gd name="adj1" fmla="val 100000"/>
+              <a:gd name="adj2" fmla="val 15788"/>
+            </a:avLst>
+          </a:prstGeom>
+          <a:solidFill>
+            <a:srgbClr val="404040"/>
+          </a:solidFill>
+          <a:ln w="53975">
+            <a:noFill/>
+          </a:ln>
+        </p:spPr>
+        <p:style>
+          <a:lnRef idx="2">
+            <a:schemeClr val="accent1">
+              <a:shade val="50000"/>
+            </a:schemeClr>
+          </a:lnRef>
+          <a:fillRef idx="1">
+            <a:schemeClr val="accent1"/>
+          </a:fillRef>
+          <a:effectRef idx="0">
+            <a:schemeClr val="accent1"/>
+          </a:effectRef>
+          <a:fontRef idx="minor">
+            <a:schemeClr val="lt1"/>
+          </a:fontRef>
+        </p:style>
+        <p:txBody>
+          <a:bodyPr rtlCol="0" anchor="ctr"/>
+          <a:lstStyle/>
+          <a:p>
+            <a:pPr marL="0" marR="0" lvl="0" indent="0" algn="ctr" defTabSz="914400" rtl="0" eaLnBrk="1" fontAlgn="auto" latinLnBrk="0" hangingPunct="1">
+              <a:lnSpc>
+                <a:spcPct val="100000"/>
+              </a:lnSpc>
+              <a:spcBef>
+                <a:spcPts val="0"/>
+              </a:spcBef>
+              <a:spcAft>
+                <a:spcPts val="0"/>
+              </a:spcAft>
+              <a:buClrTx/>
+              <a:buSzTx/>
+              <a:buFontTx/>
+              <a:buNone/>
+              <a:tabLst/>
+              <a:defRPr/>
+            </a:pPr>
+            <a:endParaRPr kumimoji="0" lang="en-US" sz="1800" b="0" i="0" u="none" strike="noStrike" kern="1200" cap="none" spc="0" normalizeH="0" baseline="0" noProof="0">
+              <a:ln>
+                <a:noFill/>
+              </a:ln>
+              <a:solidFill>
+                <a:prstClr val="white"/>
+              </a:solidFill>
+              <a:effectLst/>
+              <a:uLnTx/>
+              <a:uFillTx/>
+              <a:latin typeface="Calibri" panose="020F0502020204030204"/>
+              <a:ea typeface="+mn-ea"/>
+              <a:cs typeface="+mn-cs"/>
+            </a:endParaRPr>
+          </a:p>
+        </p:txBody>
+      </p:sp>
+      <p:sp>
+        <p:nvSpPr>
+          <p:cNvPr id="2" name="Title 1">
+            <a:extLst>
+              <a:ext uri="{FF2B5EF4-FFF2-40B4-BE49-F238E27FC236}">
+                <a16:creationId xmlns:a16="http://schemas.microsoft.com/office/drawing/2014/main" id="{6413C73F-7EFC-4906-8617-32DC84BFD3E5}"/>
+              </a:ext>
+            </a:extLst>
+          </p:cNvPr>
+          <p:cNvSpPr>
+            <a:spLocks noGrp="1"/>
+          </p:cNvSpPr>
+          <p:nvPr>
+            <p:ph type="title"/>
+          </p:nvPr>
+        </p:nvSpPr>
+        <p:spPr>
+          <a:xfrm>
+            <a:off x="966952" y="1204108"/>
+            <a:ext cx="2669406" cy="1781175"/>
+          </a:xfrm>
+        </p:spPr>
+        <p:txBody>
+          <a:bodyPr>
+            <a:normAutofit/>
+          </a:bodyPr>
+          <a:lstStyle/>
+          <a:p>
+            <a:r>
+              <a:rPr lang="en-ZA" sz="3200" dirty="0">
+                <a:solidFill>
+                  <a:srgbClr val="FFFFFF"/>
+                </a:solidFill>
+              </a:rPr>
+              <a:t>Hardware??</a:t>
+            </a:r>
+          </a:p>
+        </p:txBody>
+      </p:sp>
+      <p:sp>
+        <p:nvSpPr>
+          <p:cNvPr id="7" name="TextBox 6">
+            <a:extLst>
+              <a:ext uri="{FF2B5EF4-FFF2-40B4-BE49-F238E27FC236}">
+                <a16:creationId xmlns:a16="http://schemas.microsoft.com/office/drawing/2014/main" id="{FA2370C4-9F80-4270-BFF2-482CABE583D1}"/>
+              </a:ext>
+            </a:extLst>
+          </p:cNvPr>
+          <p:cNvSpPr txBox="1"/>
+          <p:nvPr/>
+        </p:nvSpPr>
+        <p:spPr>
+          <a:xfrm>
+            <a:off x="5354854" y="1867991"/>
+            <a:ext cx="2163797" cy="646331"/>
+          </a:xfrm>
+          <a:prstGeom prst="rect">
+            <a:avLst/>
+          </a:prstGeom>
+          <a:noFill/>
+        </p:spPr>
+        <p:txBody>
+          <a:bodyPr wrap="none" rtlCol="0">
+            <a:spAutoFit/>
+          </a:bodyPr>
+          <a:lstStyle/>
+          <a:p>
+            <a:r>
+              <a:rPr lang="en-ZA" dirty="0">
+                <a:hlinkClick r:id="rId2"/>
+              </a:rPr>
+              <a:t>http://bit.ly/2NG0s7l</a:t>
+            </a:r>
+            <a:endParaRPr lang="en-ZA" dirty="0"/>
+          </a:p>
+          <a:p>
+            <a:endParaRPr lang="en-ZA" dirty="0"/>
+          </a:p>
+        </p:txBody>
+      </p:sp>
+    </p:spTree>
+    <p:extLst>
+      <p:ext uri="{BB962C8B-B14F-4D97-AF65-F5344CB8AC3E}">
+        <p14:creationId xmlns:p14="http://schemas.microsoft.com/office/powerpoint/2010/main" val="3138828673"/>
+      </p:ext>
+    </p:extLst>
+  </p:cSld>
+  <p:clrMapOvr>
+    <a:masterClrMapping/>
+  </p:clrMapOvr>
+</p:sld>
+</file>
+
 <file path=ppt/slides/slide2.xml><?xml version="1.0" encoding="utf-8"?>
 <p:sld xmlns:a="http://schemas.openxmlformats.org/drawingml/2006/main" xmlns:r="http://schemas.openxmlformats.org/officeDocument/2006/relationships" xmlns:p="http://schemas.openxmlformats.org/presentationml/2006/main">
   <p:cSld>

--- a/progressive-web-app.pptx
+++ b/progressive-web-app.pptx
@@ -19,6 +19,17 @@
     <p:sldId id="268" r:id="rId13"/>
     <p:sldId id="269" r:id="rId14"/>
     <p:sldId id="271" r:id="rId15"/>
+    <p:sldId id="272" r:id="rId16"/>
+    <p:sldId id="273" r:id="rId17"/>
+    <p:sldId id="279" r:id="rId18"/>
+    <p:sldId id="275" r:id="rId19"/>
+    <p:sldId id="274" r:id="rId20"/>
+    <p:sldId id="276" r:id="rId21"/>
+    <p:sldId id="277" r:id="rId22"/>
+    <p:sldId id="278" r:id="rId23"/>
+    <p:sldId id="280" r:id="rId24"/>
+    <p:sldId id="281" r:id="rId25"/>
+    <p:sldId id="282" r:id="rId26"/>
   </p:sldIdLst>
   <p:sldSz cx="12192000" cy="6858000"/>
   <p:notesSz cx="6858000" cy="9144000"/>
@@ -274,7 +285,7 @@
           <a:p>
             <a:fld id="{217FFB8E-83C5-405A-99A1-1B9D0B187E3F}" type="datetimeFigureOut">
               <a:rPr lang="en-ZA" smtClean="0"/>
-              <a:t>2018/09/13</a:t>
+              <a:t>2018/09/14</a:t>
             </a:fld>
             <a:endParaRPr lang="en-ZA"/>
           </a:p>
@@ -474,7 +485,7 @@
           <a:p>
             <a:fld id="{217FFB8E-83C5-405A-99A1-1B9D0B187E3F}" type="datetimeFigureOut">
               <a:rPr lang="en-ZA" smtClean="0"/>
-              <a:t>2018/09/13</a:t>
+              <a:t>2018/09/14</a:t>
             </a:fld>
             <a:endParaRPr lang="en-ZA"/>
           </a:p>
@@ -684,7 +695,7 @@
           <a:p>
             <a:fld id="{217FFB8E-83C5-405A-99A1-1B9D0B187E3F}" type="datetimeFigureOut">
               <a:rPr lang="en-ZA" smtClean="0"/>
-              <a:t>2018/09/13</a:t>
+              <a:t>2018/09/14</a:t>
             </a:fld>
             <a:endParaRPr lang="en-ZA"/>
           </a:p>
@@ -884,7 +895,7 @@
           <a:p>
             <a:fld id="{217FFB8E-83C5-405A-99A1-1B9D0B187E3F}" type="datetimeFigureOut">
               <a:rPr lang="en-ZA" smtClean="0"/>
-              <a:t>2018/09/13</a:t>
+              <a:t>2018/09/14</a:t>
             </a:fld>
             <a:endParaRPr lang="en-ZA"/>
           </a:p>
@@ -1160,7 +1171,7 @@
           <a:p>
             <a:fld id="{217FFB8E-83C5-405A-99A1-1B9D0B187E3F}" type="datetimeFigureOut">
               <a:rPr lang="en-ZA" smtClean="0"/>
-              <a:t>2018/09/13</a:t>
+              <a:t>2018/09/14</a:t>
             </a:fld>
             <a:endParaRPr lang="en-ZA"/>
           </a:p>
@@ -1428,7 +1439,7 @@
           <a:p>
             <a:fld id="{217FFB8E-83C5-405A-99A1-1B9D0B187E3F}" type="datetimeFigureOut">
               <a:rPr lang="en-ZA" smtClean="0"/>
-              <a:t>2018/09/13</a:t>
+              <a:t>2018/09/14</a:t>
             </a:fld>
             <a:endParaRPr lang="en-ZA"/>
           </a:p>
@@ -1843,7 +1854,7 @@
           <a:p>
             <a:fld id="{217FFB8E-83C5-405A-99A1-1B9D0B187E3F}" type="datetimeFigureOut">
               <a:rPr lang="en-ZA" smtClean="0"/>
-              <a:t>2018/09/13</a:t>
+              <a:t>2018/09/14</a:t>
             </a:fld>
             <a:endParaRPr lang="en-ZA"/>
           </a:p>
@@ -1985,7 +1996,7 @@
           <a:p>
             <a:fld id="{217FFB8E-83C5-405A-99A1-1B9D0B187E3F}" type="datetimeFigureOut">
               <a:rPr lang="en-ZA" smtClean="0"/>
-              <a:t>2018/09/13</a:t>
+              <a:t>2018/09/14</a:t>
             </a:fld>
             <a:endParaRPr lang="en-ZA"/>
           </a:p>
@@ -2098,7 +2109,7 @@
           <a:p>
             <a:fld id="{217FFB8E-83C5-405A-99A1-1B9D0B187E3F}" type="datetimeFigureOut">
               <a:rPr lang="en-ZA" smtClean="0"/>
-              <a:t>2018/09/13</a:t>
+              <a:t>2018/09/14</a:t>
             </a:fld>
             <a:endParaRPr lang="en-ZA"/>
           </a:p>
@@ -2411,7 +2422,7 @@
           <a:p>
             <a:fld id="{217FFB8E-83C5-405A-99A1-1B9D0B187E3F}" type="datetimeFigureOut">
               <a:rPr lang="en-ZA" smtClean="0"/>
-              <a:t>2018/09/13</a:t>
+              <a:t>2018/09/14</a:t>
             </a:fld>
             <a:endParaRPr lang="en-ZA"/>
           </a:p>
@@ -2700,7 +2711,7 @@
           <a:p>
             <a:fld id="{217FFB8E-83C5-405A-99A1-1B9D0B187E3F}" type="datetimeFigureOut">
               <a:rPr lang="en-ZA" smtClean="0"/>
-              <a:t>2018/09/13</a:t>
+              <a:t>2018/09/14</a:t>
             </a:fld>
             <a:endParaRPr lang="en-ZA"/>
           </a:p>
@@ -2943,7 +2954,7 @@
           <a:p>
             <a:fld id="{217FFB8E-83C5-405A-99A1-1B9D0B187E3F}" type="datetimeFigureOut">
               <a:rPr lang="en-ZA" smtClean="0"/>
-              <a:t>2018/09/13</a:t>
+              <a:t>2018/09/14</a:t>
             </a:fld>
             <a:endParaRPr lang="en-ZA"/>
           </a:p>
@@ -4782,6 +4793,336 @@
 </p:sld>
 </file>
 
+<file path=ppt/slides/slide15.xml><?xml version="1.0" encoding="utf-8"?>
+<p:sld xmlns:a="http://schemas.openxmlformats.org/drawingml/2006/main" xmlns:r="http://schemas.openxmlformats.org/officeDocument/2006/relationships" xmlns:p="http://schemas.openxmlformats.org/presentationml/2006/main">
+  <p:cSld>
+    <p:spTree>
+      <p:nvGrpSpPr>
+        <p:cNvPr id="1" name=""/>
+        <p:cNvGrpSpPr/>
+        <p:nvPr/>
+      </p:nvGrpSpPr>
+      <p:grpSpPr>
+        <a:xfrm>
+          <a:off x="0" y="0"/>
+          <a:ext cx="0" cy="0"/>
+          <a:chOff x="0" y="0"/>
+          <a:chExt cx="0" cy="0"/>
+        </a:xfrm>
+      </p:grpSpPr>
+      <p:pic>
+        <p:nvPicPr>
+          <p:cNvPr id="5" name="Picture 4" descr="A screenshot of a cell phone&#10;&#10;Description generated with very high confidence">
+            <a:extLst>
+              <a:ext uri="{FF2B5EF4-FFF2-40B4-BE49-F238E27FC236}">
+                <a16:creationId xmlns:a16="http://schemas.microsoft.com/office/drawing/2014/main" id="{A6067E19-5C0D-4EF0-9739-CA6B529B93D4}"/>
+              </a:ext>
+            </a:extLst>
+          </p:cNvPr>
+          <p:cNvPicPr>
+            <a:picLocks noChangeAspect="1"/>
+          </p:cNvPicPr>
+          <p:nvPr/>
+        </p:nvPicPr>
+        <p:blipFill>
+          <a:blip r:embed="rId2">
+            <a:extLst>
+              <a:ext uri="{28A0092B-C50C-407E-A947-70E740481C1C}">
+                <a14:useLocalDpi xmlns:a14="http://schemas.microsoft.com/office/drawing/2010/main" val="0"/>
+              </a:ext>
+            </a:extLst>
+          </a:blip>
+          <a:stretch>
+            <a:fillRect/>
+          </a:stretch>
+        </p:blipFill>
+        <p:spPr>
+          <a:xfrm>
+            <a:off x="4427838" y="0"/>
+            <a:ext cx="3336324" cy="6858000"/>
+          </a:xfrm>
+          <a:prstGeom prst="rect">
+            <a:avLst/>
+          </a:prstGeom>
+        </p:spPr>
+      </p:pic>
+    </p:spTree>
+    <p:extLst>
+      <p:ext uri="{BB962C8B-B14F-4D97-AF65-F5344CB8AC3E}">
+        <p14:creationId xmlns:p14="http://schemas.microsoft.com/office/powerpoint/2010/main" val="548372965"/>
+      </p:ext>
+    </p:extLst>
+  </p:cSld>
+  <p:clrMapOvr>
+    <a:masterClrMapping/>
+  </p:clrMapOvr>
+</p:sld>
+</file>
+
+<file path=ppt/slides/slide16.xml><?xml version="1.0" encoding="utf-8"?>
+<p:sld xmlns:a="http://schemas.openxmlformats.org/drawingml/2006/main" xmlns:r="http://schemas.openxmlformats.org/officeDocument/2006/relationships" xmlns:p="http://schemas.openxmlformats.org/presentationml/2006/main">
+  <p:cSld>
+    <p:spTree>
+      <p:nvGrpSpPr>
+        <p:cNvPr id="1" name=""/>
+        <p:cNvGrpSpPr/>
+        <p:nvPr/>
+      </p:nvGrpSpPr>
+      <p:grpSpPr>
+        <a:xfrm>
+          <a:off x="0" y="0"/>
+          <a:ext cx="0" cy="0"/>
+          <a:chOff x="0" y="0"/>
+          <a:chExt cx="0" cy="0"/>
+        </a:xfrm>
+      </p:grpSpPr>
+      <p:pic>
+        <p:nvPicPr>
+          <p:cNvPr id="5" name="Picture 4" descr="A screenshot of a cell phone&#10;&#10;Description generated with very high confidence">
+            <a:extLst>
+              <a:ext uri="{FF2B5EF4-FFF2-40B4-BE49-F238E27FC236}">
+                <a16:creationId xmlns:a16="http://schemas.microsoft.com/office/drawing/2014/main" id="{5141B56F-D6EA-47F4-A4E0-FB4AF7520AA1}"/>
+              </a:ext>
+            </a:extLst>
+          </p:cNvPr>
+          <p:cNvPicPr>
+            <a:picLocks noChangeAspect="1"/>
+          </p:cNvPicPr>
+          <p:nvPr/>
+        </p:nvPicPr>
+        <p:blipFill>
+          <a:blip r:embed="rId2">
+            <a:extLst>
+              <a:ext uri="{28A0092B-C50C-407E-A947-70E740481C1C}">
+                <a14:useLocalDpi xmlns:a14="http://schemas.microsoft.com/office/drawing/2010/main" val="0"/>
+              </a:ext>
+            </a:extLst>
+          </a:blip>
+          <a:stretch>
+            <a:fillRect/>
+          </a:stretch>
+        </p:blipFill>
+        <p:spPr>
+          <a:xfrm>
+            <a:off x="4427838" y="0"/>
+            <a:ext cx="3336324" cy="6858000"/>
+          </a:xfrm>
+          <a:prstGeom prst="rect">
+            <a:avLst/>
+          </a:prstGeom>
+        </p:spPr>
+      </p:pic>
+    </p:spTree>
+    <p:extLst>
+      <p:ext uri="{BB962C8B-B14F-4D97-AF65-F5344CB8AC3E}">
+        <p14:creationId xmlns:p14="http://schemas.microsoft.com/office/powerpoint/2010/main" val="510646618"/>
+      </p:ext>
+    </p:extLst>
+  </p:cSld>
+  <p:clrMapOvr>
+    <a:masterClrMapping/>
+  </p:clrMapOvr>
+</p:sld>
+</file>
+
+<file path=ppt/slides/slide17.xml><?xml version="1.0" encoding="utf-8"?>
+<p:sld xmlns:a="http://schemas.openxmlformats.org/drawingml/2006/main" xmlns:r="http://schemas.openxmlformats.org/officeDocument/2006/relationships" xmlns:p="http://schemas.openxmlformats.org/presentationml/2006/main">
+  <p:cSld>
+    <p:spTree>
+      <p:nvGrpSpPr>
+        <p:cNvPr id="1" name=""/>
+        <p:cNvGrpSpPr/>
+        <p:nvPr/>
+      </p:nvGrpSpPr>
+      <p:grpSpPr>
+        <a:xfrm>
+          <a:off x="0" y="0"/>
+          <a:ext cx="0" cy="0"/>
+          <a:chOff x="0" y="0"/>
+          <a:chExt cx="0" cy="0"/>
+        </a:xfrm>
+      </p:grpSpPr>
+      <p:pic>
+        <p:nvPicPr>
+          <p:cNvPr id="5" name="Picture 4" descr="A picture containing nature, night sky&#10;&#10;Description generated with high confidence">
+            <a:extLst>
+              <a:ext uri="{FF2B5EF4-FFF2-40B4-BE49-F238E27FC236}">
+                <a16:creationId xmlns:a16="http://schemas.microsoft.com/office/drawing/2014/main" id="{5177AE4B-8DAF-4880-989B-058E2DBA21C5}"/>
+              </a:ext>
+            </a:extLst>
+          </p:cNvPr>
+          <p:cNvPicPr>
+            <a:picLocks noChangeAspect="1"/>
+          </p:cNvPicPr>
+          <p:nvPr/>
+        </p:nvPicPr>
+        <p:blipFill>
+          <a:blip r:embed="rId2">
+            <a:extLst>
+              <a:ext uri="{28A0092B-C50C-407E-A947-70E740481C1C}">
+                <a14:useLocalDpi xmlns:a14="http://schemas.microsoft.com/office/drawing/2010/main" val="0"/>
+              </a:ext>
+            </a:extLst>
+          </a:blip>
+          <a:stretch>
+            <a:fillRect/>
+          </a:stretch>
+        </p:blipFill>
+        <p:spPr>
+          <a:xfrm>
+            <a:off x="4427838" y="0"/>
+            <a:ext cx="3336324" cy="6858000"/>
+          </a:xfrm>
+          <a:prstGeom prst="rect">
+            <a:avLst/>
+          </a:prstGeom>
+        </p:spPr>
+      </p:pic>
+    </p:spTree>
+    <p:extLst>
+      <p:ext uri="{BB962C8B-B14F-4D97-AF65-F5344CB8AC3E}">
+        <p14:creationId xmlns:p14="http://schemas.microsoft.com/office/powerpoint/2010/main" val="1008934624"/>
+      </p:ext>
+    </p:extLst>
+  </p:cSld>
+  <p:clrMapOvr>
+    <a:masterClrMapping/>
+  </p:clrMapOvr>
+</p:sld>
+</file>
+
+<file path=ppt/slides/slide18.xml><?xml version="1.0" encoding="utf-8"?>
+<p:sld xmlns:a="http://schemas.openxmlformats.org/drawingml/2006/main" xmlns:r="http://schemas.openxmlformats.org/officeDocument/2006/relationships" xmlns:p="http://schemas.openxmlformats.org/presentationml/2006/main">
+  <p:cSld>
+    <p:spTree>
+      <p:nvGrpSpPr>
+        <p:cNvPr id="1" name=""/>
+        <p:cNvGrpSpPr/>
+        <p:nvPr/>
+      </p:nvGrpSpPr>
+      <p:grpSpPr>
+        <a:xfrm>
+          <a:off x="0" y="0"/>
+          <a:ext cx="0" cy="0"/>
+          <a:chOff x="0" y="0"/>
+          <a:chExt cx="0" cy="0"/>
+        </a:xfrm>
+      </p:grpSpPr>
+      <p:pic>
+        <p:nvPicPr>
+          <p:cNvPr id="5" name="Picture 4" descr="A screenshot of a cell phone&#10;&#10;Description generated with high confidence">
+            <a:extLst>
+              <a:ext uri="{FF2B5EF4-FFF2-40B4-BE49-F238E27FC236}">
+                <a16:creationId xmlns:a16="http://schemas.microsoft.com/office/drawing/2014/main" id="{A516BEB0-8113-433C-92CA-CF7C8813F028}"/>
+              </a:ext>
+            </a:extLst>
+          </p:cNvPr>
+          <p:cNvPicPr>
+            <a:picLocks noChangeAspect="1"/>
+          </p:cNvPicPr>
+          <p:nvPr/>
+        </p:nvPicPr>
+        <p:blipFill>
+          <a:blip r:embed="rId2">
+            <a:extLst>
+              <a:ext uri="{28A0092B-C50C-407E-A947-70E740481C1C}">
+                <a14:useLocalDpi xmlns:a14="http://schemas.microsoft.com/office/drawing/2010/main" val="0"/>
+              </a:ext>
+            </a:extLst>
+          </a:blip>
+          <a:stretch>
+            <a:fillRect/>
+          </a:stretch>
+        </p:blipFill>
+        <p:spPr>
+          <a:xfrm>
+            <a:off x="4427838" y="0"/>
+            <a:ext cx="3336324" cy="6858000"/>
+          </a:xfrm>
+          <a:prstGeom prst="rect">
+            <a:avLst/>
+          </a:prstGeom>
+        </p:spPr>
+      </p:pic>
+    </p:spTree>
+    <p:extLst>
+      <p:ext uri="{BB962C8B-B14F-4D97-AF65-F5344CB8AC3E}">
+        <p14:creationId xmlns:p14="http://schemas.microsoft.com/office/powerpoint/2010/main" val="423103306"/>
+      </p:ext>
+    </p:extLst>
+  </p:cSld>
+  <p:clrMapOvr>
+    <a:masterClrMapping/>
+  </p:clrMapOvr>
+</p:sld>
+</file>
+
+<file path=ppt/slides/slide19.xml><?xml version="1.0" encoding="utf-8"?>
+<p:sld xmlns:a="http://schemas.openxmlformats.org/drawingml/2006/main" xmlns:r="http://schemas.openxmlformats.org/officeDocument/2006/relationships" xmlns:p="http://schemas.openxmlformats.org/presentationml/2006/main">
+  <p:cSld>
+    <p:spTree>
+      <p:nvGrpSpPr>
+        <p:cNvPr id="1" name=""/>
+        <p:cNvGrpSpPr/>
+        <p:nvPr/>
+      </p:nvGrpSpPr>
+      <p:grpSpPr>
+        <a:xfrm>
+          <a:off x="0" y="0"/>
+          <a:ext cx="0" cy="0"/>
+          <a:chOff x="0" y="0"/>
+          <a:chExt cx="0" cy="0"/>
+        </a:xfrm>
+      </p:grpSpPr>
+      <p:pic>
+        <p:nvPicPr>
+          <p:cNvPr id="5" name="Picture 4" descr="A screenshot of a cell phone&#10;&#10;Description generated with very high confidence">
+            <a:extLst>
+              <a:ext uri="{FF2B5EF4-FFF2-40B4-BE49-F238E27FC236}">
+                <a16:creationId xmlns:a16="http://schemas.microsoft.com/office/drawing/2014/main" id="{0E58D4B3-F90F-44B8-81AC-7DC96D1188EE}"/>
+              </a:ext>
+            </a:extLst>
+          </p:cNvPr>
+          <p:cNvPicPr>
+            <a:picLocks noChangeAspect="1"/>
+          </p:cNvPicPr>
+          <p:nvPr/>
+        </p:nvPicPr>
+        <p:blipFill>
+          <a:blip r:embed="rId2">
+            <a:extLst>
+              <a:ext uri="{28A0092B-C50C-407E-A947-70E740481C1C}">
+                <a14:useLocalDpi xmlns:a14="http://schemas.microsoft.com/office/drawing/2010/main" val="0"/>
+              </a:ext>
+            </a:extLst>
+          </a:blip>
+          <a:stretch>
+            <a:fillRect/>
+          </a:stretch>
+        </p:blipFill>
+        <p:spPr>
+          <a:xfrm>
+            <a:off x="4427838" y="0"/>
+            <a:ext cx="3336324" cy="6858000"/>
+          </a:xfrm>
+          <a:prstGeom prst="rect">
+            <a:avLst/>
+          </a:prstGeom>
+        </p:spPr>
+      </p:pic>
+    </p:spTree>
+    <p:extLst>
+      <p:ext uri="{BB962C8B-B14F-4D97-AF65-F5344CB8AC3E}">
+        <p14:creationId xmlns:p14="http://schemas.microsoft.com/office/powerpoint/2010/main" val="3118973025"/>
+      </p:ext>
+    </p:extLst>
+  </p:cSld>
+  <p:clrMapOvr>
+    <a:masterClrMapping/>
+  </p:clrMapOvr>
+</p:sld>
+</file>
+
 <file path=ppt/slides/slide2.xml><?xml version="1.0" encoding="utf-8"?>
 <p:sld xmlns:a="http://schemas.openxmlformats.org/drawingml/2006/main" xmlns:r="http://schemas.openxmlformats.org/officeDocument/2006/relationships" xmlns:p="http://schemas.openxmlformats.org/presentationml/2006/main">
   <p:cSld>
@@ -5132,6 +5473,402 @@
     <p:extLst>
       <p:ext uri="{BB962C8B-B14F-4D97-AF65-F5344CB8AC3E}">
         <p14:creationId xmlns:p14="http://schemas.microsoft.com/office/powerpoint/2010/main" val="1599240064"/>
+      </p:ext>
+    </p:extLst>
+  </p:cSld>
+  <p:clrMapOvr>
+    <a:masterClrMapping/>
+  </p:clrMapOvr>
+</p:sld>
+</file>
+
+<file path=ppt/slides/slide20.xml><?xml version="1.0" encoding="utf-8"?>
+<p:sld xmlns:a="http://schemas.openxmlformats.org/drawingml/2006/main" xmlns:r="http://schemas.openxmlformats.org/officeDocument/2006/relationships" xmlns:p="http://schemas.openxmlformats.org/presentationml/2006/main">
+  <p:cSld>
+    <p:spTree>
+      <p:nvGrpSpPr>
+        <p:cNvPr id="1" name=""/>
+        <p:cNvGrpSpPr/>
+        <p:nvPr/>
+      </p:nvGrpSpPr>
+      <p:grpSpPr>
+        <a:xfrm>
+          <a:off x="0" y="0"/>
+          <a:ext cx="0" cy="0"/>
+          <a:chOff x="0" y="0"/>
+          <a:chExt cx="0" cy="0"/>
+        </a:xfrm>
+      </p:grpSpPr>
+      <p:pic>
+        <p:nvPicPr>
+          <p:cNvPr id="5" name="Picture 4" descr="A screenshot of a cell phone&#10;&#10;Description generated with very high confidence">
+            <a:extLst>
+              <a:ext uri="{FF2B5EF4-FFF2-40B4-BE49-F238E27FC236}">
+                <a16:creationId xmlns:a16="http://schemas.microsoft.com/office/drawing/2014/main" id="{6ED47E22-766F-41C6-BC93-D515A7D1BDC5}"/>
+              </a:ext>
+            </a:extLst>
+          </p:cNvPr>
+          <p:cNvPicPr>
+            <a:picLocks noChangeAspect="1"/>
+          </p:cNvPicPr>
+          <p:nvPr/>
+        </p:nvPicPr>
+        <p:blipFill>
+          <a:blip r:embed="rId2">
+            <a:extLst>
+              <a:ext uri="{28A0092B-C50C-407E-A947-70E740481C1C}">
+                <a14:useLocalDpi xmlns:a14="http://schemas.microsoft.com/office/drawing/2010/main" val="0"/>
+              </a:ext>
+            </a:extLst>
+          </a:blip>
+          <a:stretch>
+            <a:fillRect/>
+          </a:stretch>
+        </p:blipFill>
+        <p:spPr>
+          <a:xfrm>
+            <a:off x="4427838" y="0"/>
+            <a:ext cx="3336324" cy="6858000"/>
+          </a:xfrm>
+          <a:prstGeom prst="rect">
+            <a:avLst/>
+          </a:prstGeom>
+        </p:spPr>
+      </p:pic>
+    </p:spTree>
+    <p:extLst>
+      <p:ext uri="{BB962C8B-B14F-4D97-AF65-F5344CB8AC3E}">
+        <p14:creationId xmlns:p14="http://schemas.microsoft.com/office/powerpoint/2010/main" val="3799073982"/>
+      </p:ext>
+    </p:extLst>
+  </p:cSld>
+  <p:clrMapOvr>
+    <a:masterClrMapping/>
+  </p:clrMapOvr>
+</p:sld>
+</file>
+
+<file path=ppt/slides/slide21.xml><?xml version="1.0" encoding="utf-8"?>
+<p:sld xmlns:a="http://schemas.openxmlformats.org/drawingml/2006/main" xmlns:r="http://schemas.openxmlformats.org/officeDocument/2006/relationships" xmlns:p="http://schemas.openxmlformats.org/presentationml/2006/main">
+  <p:cSld>
+    <p:spTree>
+      <p:nvGrpSpPr>
+        <p:cNvPr id="1" name=""/>
+        <p:cNvGrpSpPr/>
+        <p:nvPr/>
+      </p:nvGrpSpPr>
+      <p:grpSpPr>
+        <a:xfrm>
+          <a:off x="0" y="0"/>
+          <a:ext cx="0" cy="0"/>
+          <a:chOff x="0" y="0"/>
+          <a:chExt cx="0" cy="0"/>
+        </a:xfrm>
+      </p:grpSpPr>
+      <p:pic>
+        <p:nvPicPr>
+          <p:cNvPr id="7" name="Picture 6" descr="A picture containing text, map&#10;&#10;Description generated with very high confidence">
+            <a:extLst>
+              <a:ext uri="{FF2B5EF4-FFF2-40B4-BE49-F238E27FC236}">
+                <a16:creationId xmlns:a16="http://schemas.microsoft.com/office/drawing/2014/main" id="{4F341059-9385-4CD1-9F60-46C5F760BB31}"/>
+              </a:ext>
+            </a:extLst>
+          </p:cNvPr>
+          <p:cNvPicPr>
+            <a:picLocks noChangeAspect="1"/>
+          </p:cNvPicPr>
+          <p:nvPr/>
+        </p:nvPicPr>
+        <p:blipFill>
+          <a:blip r:embed="rId2">
+            <a:extLst>
+              <a:ext uri="{28A0092B-C50C-407E-A947-70E740481C1C}">
+                <a14:useLocalDpi xmlns:a14="http://schemas.microsoft.com/office/drawing/2010/main" val="0"/>
+              </a:ext>
+            </a:extLst>
+          </a:blip>
+          <a:stretch>
+            <a:fillRect/>
+          </a:stretch>
+        </p:blipFill>
+        <p:spPr>
+          <a:xfrm>
+            <a:off x="4427838" y="0"/>
+            <a:ext cx="3336324" cy="6858000"/>
+          </a:xfrm>
+          <a:prstGeom prst="rect">
+            <a:avLst/>
+          </a:prstGeom>
+        </p:spPr>
+      </p:pic>
+    </p:spTree>
+    <p:extLst>
+      <p:ext uri="{BB962C8B-B14F-4D97-AF65-F5344CB8AC3E}">
+        <p14:creationId xmlns:p14="http://schemas.microsoft.com/office/powerpoint/2010/main" val="3314657492"/>
+      </p:ext>
+    </p:extLst>
+  </p:cSld>
+  <p:clrMapOvr>
+    <a:masterClrMapping/>
+  </p:clrMapOvr>
+</p:sld>
+</file>
+
+<file path=ppt/slides/slide22.xml><?xml version="1.0" encoding="utf-8"?>
+<p:sld xmlns:a="http://schemas.openxmlformats.org/drawingml/2006/main" xmlns:r="http://schemas.openxmlformats.org/officeDocument/2006/relationships" xmlns:p="http://schemas.openxmlformats.org/presentationml/2006/main">
+  <p:cSld>
+    <p:spTree>
+      <p:nvGrpSpPr>
+        <p:cNvPr id="1" name=""/>
+        <p:cNvGrpSpPr/>
+        <p:nvPr/>
+      </p:nvGrpSpPr>
+      <p:grpSpPr>
+        <a:xfrm>
+          <a:off x="0" y="0"/>
+          <a:ext cx="0" cy="0"/>
+          <a:chOff x="0" y="0"/>
+          <a:chExt cx="0" cy="0"/>
+        </a:xfrm>
+      </p:grpSpPr>
+      <p:pic>
+        <p:nvPicPr>
+          <p:cNvPr id="5" name="Picture 4" descr="A screenshot of a cell phone&#10;&#10;Description generated with very high confidence">
+            <a:extLst>
+              <a:ext uri="{FF2B5EF4-FFF2-40B4-BE49-F238E27FC236}">
+                <a16:creationId xmlns:a16="http://schemas.microsoft.com/office/drawing/2014/main" id="{04209A20-26FA-4FB0-9FB4-FAAC37FC1720}"/>
+              </a:ext>
+            </a:extLst>
+          </p:cNvPr>
+          <p:cNvPicPr>
+            <a:picLocks noChangeAspect="1"/>
+          </p:cNvPicPr>
+          <p:nvPr/>
+        </p:nvPicPr>
+        <p:blipFill>
+          <a:blip r:embed="rId2">
+            <a:extLst>
+              <a:ext uri="{28A0092B-C50C-407E-A947-70E740481C1C}">
+                <a14:useLocalDpi xmlns:a14="http://schemas.microsoft.com/office/drawing/2010/main" val="0"/>
+              </a:ext>
+            </a:extLst>
+          </a:blip>
+          <a:stretch>
+            <a:fillRect/>
+          </a:stretch>
+        </p:blipFill>
+        <p:spPr>
+          <a:xfrm>
+            <a:off x="4427838" y="0"/>
+            <a:ext cx="3336324" cy="6858000"/>
+          </a:xfrm>
+          <a:prstGeom prst="rect">
+            <a:avLst/>
+          </a:prstGeom>
+        </p:spPr>
+      </p:pic>
+    </p:spTree>
+    <p:extLst>
+      <p:ext uri="{BB962C8B-B14F-4D97-AF65-F5344CB8AC3E}">
+        <p14:creationId xmlns:p14="http://schemas.microsoft.com/office/powerpoint/2010/main" val="2972718563"/>
+      </p:ext>
+    </p:extLst>
+  </p:cSld>
+  <p:clrMapOvr>
+    <a:masterClrMapping/>
+  </p:clrMapOvr>
+</p:sld>
+</file>
+
+<file path=ppt/slides/slide23.xml><?xml version="1.0" encoding="utf-8"?>
+<p:sld xmlns:a="http://schemas.openxmlformats.org/drawingml/2006/main" xmlns:r="http://schemas.openxmlformats.org/officeDocument/2006/relationships" xmlns:p="http://schemas.openxmlformats.org/presentationml/2006/main">
+  <p:cSld>
+    <p:spTree>
+      <p:nvGrpSpPr>
+        <p:cNvPr id="1" name=""/>
+        <p:cNvGrpSpPr/>
+        <p:nvPr/>
+      </p:nvGrpSpPr>
+      <p:grpSpPr>
+        <a:xfrm>
+          <a:off x="0" y="0"/>
+          <a:ext cx="0" cy="0"/>
+          <a:chOff x="0" y="0"/>
+          <a:chExt cx="0" cy="0"/>
+        </a:xfrm>
+      </p:grpSpPr>
+      <p:pic>
+        <p:nvPicPr>
+          <p:cNvPr id="5" name="Picture 4" descr="A screenshot of a cell phone&#10;&#10;Description generated with very high confidence">
+            <a:extLst>
+              <a:ext uri="{FF2B5EF4-FFF2-40B4-BE49-F238E27FC236}">
+                <a16:creationId xmlns:a16="http://schemas.microsoft.com/office/drawing/2014/main" id="{1A54EC92-FAE0-4DF7-AE5C-952FCB6E87B1}"/>
+              </a:ext>
+            </a:extLst>
+          </p:cNvPr>
+          <p:cNvPicPr>
+            <a:picLocks noChangeAspect="1"/>
+          </p:cNvPicPr>
+          <p:nvPr/>
+        </p:nvPicPr>
+        <p:blipFill>
+          <a:blip r:embed="rId2">
+            <a:extLst>
+              <a:ext uri="{28A0092B-C50C-407E-A947-70E740481C1C}">
+                <a14:useLocalDpi xmlns:a14="http://schemas.microsoft.com/office/drawing/2010/main" val="0"/>
+              </a:ext>
+            </a:extLst>
+          </a:blip>
+          <a:stretch>
+            <a:fillRect/>
+          </a:stretch>
+        </p:blipFill>
+        <p:spPr>
+          <a:xfrm>
+            <a:off x="4427838" y="0"/>
+            <a:ext cx="3336324" cy="6858000"/>
+          </a:xfrm>
+          <a:prstGeom prst="rect">
+            <a:avLst/>
+          </a:prstGeom>
+        </p:spPr>
+      </p:pic>
+    </p:spTree>
+    <p:extLst>
+      <p:ext uri="{BB962C8B-B14F-4D97-AF65-F5344CB8AC3E}">
+        <p14:creationId xmlns:p14="http://schemas.microsoft.com/office/powerpoint/2010/main" val="3451502606"/>
+      </p:ext>
+    </p:extLst>
+  </p:cSld>
+  <p:clrMapOvr>
+    <a:masterClrMapping/>
+  </p:clrMapOvr>
+</p:sld>
+</file>
+
+<file path=ppt/slides/slide24.xml><?xml version="1.0" encoding="utf-8"?>
+<p:sld xmlns:a="http://schemas.openxmlformats.org/drawingml/2006/main" xmlns:r="http://schemas.openxmlformats.org/officeDocument/2006/relationships" xmlns:p="http://schemas.openxmlformats.org/presentationml/2006/main">
+  <p:cSld>
+    <p:spTree>
+      <p:nvGrpSpPr>
+        <p:cNvPr id="1" name=""/>
+        <p:cNvGrpSpPr/>
+        <p:nvPr/>
+      </p:nvGrpSpPr>
+      <p:grpSpPr>
+        <a:xfrm>
+          <a:off x="0" y="0"/>
+          <a:ext cx="0" cy="0"/>
+          <a:chOff x="0" y="0"/>
+          <a:chExt cx="0" cy="0"/>
+        </a:xfrm>
+      </p:grpSpPr>
+      <p:pic>
+        <p:nvPicPr>
+          <p:cNvPr id="5" name="Picture 4" descr="A screenshot of a cell phone&#10;&#10;Description generated with very high confidence">
+            <a:extLst>
+              <a:ext uri="{FF2B5EF4-FFF2-40B4-BE49-F238E27FC236}">
+                <a16:creationId xmlns:a16="http://schemas.microsoft.com/office/drawing/2014/main" id="{037B87F0-40D8-462F-B0B6-CF5CFB3C7E1A}"/>
+              </a:ext>
+            </a:extLst>
+          </p:cNvPr>
+          <p:cNvPicPr>
+            <a:picLocks noChangeAspect="1"/>
+          </p:cNvPicPr>
+          <p:nvPr/>
+        </p:nvPicPr>
+        <p:blipFill>
+          <a:blip r:embed="rId2">
+            <a:extLst>
+              <a:ext uri="{28A0092B-C50C-407E-A947-70E740481C1C}">
+                <a14:useLocalDpi xmlns:a14="http://schemas.microsoft.com/office/drawing/2010/main" val="0"/>
+              </a:ext>
+            </a:extLst>
+          </a:blip>
+          <a:stretch>
+            <a:fillRect/>
+          </a:stretch>
+        </p:blipFill>
+        <p:spPr>
+          <a:xfrm>
+            <a:off x="4427838" y="0"/>
+            <a:ext cx="3336324" cy="6858000"/>
+          </a:xfrm>
+          <a:prstGeom prst="rect">
+            <a:avLst/>
+          </a:prstGeom>
+        </p:spPr>
+      </p:pic>
+    </p:spTree>
+    <p:extLst>
+      <p:ext uri="{BB962C8B-B14F-4D97-AF65-F5344CB8AC3E}">
+        <p14:creationId xmlns:p14="http://schemas.microsoft.com/office/powerpoint/2010/main" val="301504954"/>
+      </p:ext>
+    </p:extLst>
+  </p:cSld>
+  <p:clrMapOvr>
+    <a:masterClrMapping/>
+  </p:clrMapOvr>
+</p:sld>
+</file>
+
+<file path=ppt/slides/slide25.xml><?xml version="1.0" encoding="utf-8"?>
+<p:sld xmlns:a="http://schemas.openxmlformats.org/drawingml/2006/main" xmlns:r="http://schemas.openxmlformats.org/officeDocument/2006/relationships" xmlns:p="http://schemas.openxmlformats.org/presentationml/2006/main">
+  <p:cSld>
+    <p:spTree>
+      <p:nvGrpSpPr>
+        <p:cNvPr id="1" name=""/>
+        <p:cNvGrpSpPr/>
+        <p:nvPr/>
+      </p:nvGrpSpPr>
+      <p:grpSpPr>
+        <a:xfrm>
+          <a:off x="0" y="0"/>
+          <a:ext cx="0" cy="0"/>
+          <a:chOff x="0" y="0"/>
+          <a:chExt cx="0" cy="0"/>
+        </a:xfrm>
+      </p:grpSpPr>
+      <p:pic>
+        <p:nvPicPr>
+          <p:cNvPr id="7" name="Picture 6" descr="A screenshot of a cell phone&#10;&#10;Description generated with high confidence">
+            <a:extLst>
+              <a:ext uri="{FF2B5EF4-FFF2-40B4-BE49-F238E27FC236}">
+                <a16:creationId xmlns:a16="http://schemas.microsoft.com/office/drawing/2014/main" id="{D5372A8C-C9BA-494E-8E3E-EC4EF2F945FC}"/>
+              </a:ext>
+            </a:extLst>
+          </p:cNvPr>
+          <p:cNvPicPr>
+            <a:picLocks noChangeAspect="1"/>
+          </p:cNvPicPr>
+          <p:nvPr/>
+        </p:nvPicPr>
+        <p:blipFill>
+          <a:blip r:embed="rId2">
+            <a:extLst>
+              <a:ext uri="{28A0092B-C50C-407E-A947-70E740481C1C}">
+                <a14:useLocalDpi xmlns:a14="http://schemas.microsoft.com/office/drawing/2010/main" val="0"/>
+              </a:ext>
+            </a:extLst>
+          </a:blip>
+          <a:stretch>
+            <a:fillRect/>
+          </a:stretch>
+        </p:blipFill>
+        <p:spPr>
+          <a:xfrm>
+            <a:off x="4427838" y="0"/>
+            <a:ext cx="3336324" cy="6858000"/>
+          </a:xfrm>
+          <a:prstGeom prst="rect">
+            <a:avLst/>
+          </a:prstGeom>
+        </p:spPr>
+      </p:pic>
+    </p:spTree>
+    <p:extLst>
+      <p:ext uri="{BB962C8B-B14F-4D97-AF65-F5344CB8AC3E}">
+        <p14:creationId xmlns:p14="http://schemas.microsoft.com/office/powerpoint/2010/main" val="3471434221"/>
       </p:ext>
     </p:extLst>
   </p:cSld>
